--- a/演示文稿.pptx
+++ b/演示文稿.pptx
@@ -7,16 +7,18 @@
   <p:sldIdLst>
     <p:sldId id="256" r:id="rId2"/>
     <p:sldId id="261" r:id="rId3"/>
-    <p:sldId id="260" r:id="rId4"/>
-    <p:sldId id="259" r:id="rId5"/>
-    <p:sldId id="258" r:id="rId6"/>
-    <p:sldId id="257" r:id="rId7"/>
-    <p:sldId id="262" r:id="rId8"/>
-    <p:sldId id="267" r:id="rId9"/>
-    <p:sldId id="266" r:id="rId10"/>
-    <p:sldId id="265" r:id="rId11"/>
-    <p:sldId id="264" r:id="rId12"/>
-    <p:sldId id="263" r:id="rId13"/>
+    <p:sldId id="269" r:id="rId4"/>
+    <p:sldId id="260" r:id="rId5"/>
+    <p:sldId id="259" r:id="rId6"/>
+    <p:sldId id="258" r:id="rId7"/>
+    <p:sldId id="257" r:id="rId8"/>
+    <p:sldId id="262" r:id="rId9"/>
+    <p:sldId id="267" r:id="rId10"/>
+    <p:sldId id="266" r:id="rId11"/>
+    <p:sldId id="265" r:id="rId12"/>
+    <p:sldId id="264" r:id="rId13"/>
+    <p:sldId id="268" r:id="rId14"/>
+    <p:sldId id="263" r:id="rId15"/>
   </p:sldIdLst>
   <p:sldSz cx="12192000" cy="6858000"/>
   <p:notesSz cx="6858000" cy="9144000"/>
@@ -115,6 +117,11 @@
       </a:defRPr>
     </a:lvl9pPr>
   </p:defaultTextStyle>
+  <p:extLst>
+    <p:ext uri="{EFAFB233-063F-42B5-8137-9DF3F51BA10A}">
+      <p15:sldGuideLst xmlns:p15="http://schemas.microsoft.com/office/powerpoint/2012/main"/>
+    </p:ext>
+  </p:extLst>
 </p:presentation>
 </file>
 
@@ -5508,7 +5515,7 @@
           <p:cNvPr id="2" name="标题 1">
             <a:extLst>
               <a:ext uri="{FF2B5EF4-FFF2-40B4-BE49-F238E27FC236}">
-                <a16:creationId xmlns:a16="http://schemas.microsoft.com/office/drawing/2014/main" id="{F77A93FC-2865-4128-9543-2AE50BF7A47A}"/>
+                <a16:creationId xmlns:a16="http://schemas.microsoft.com/office/drawing/2014/main" id="{15D80B16-0754-4824-AE7A-D2484734C34E}"/>
               </a:ext>
             </a:extLst>
           </p:cNvPr>
@@ -5526,7 +5533,7 @@
           <a:p>
             <a:r>
               <a:rPr lang="zh-CN" altLang="en-US" dirty="0"/>
-              <a:t>用户登录</a:t>
+              <a:t>客户端功能</a:t>
             </a:r>
           </a:p>
         </p:txBody>
@@ -5536,7 +5543,7 @@
           <p:cNvPr id="3" name="内容占位符 2">
             <a:extLst>
               <a:ext uri="{FF2B5EF4-FFF2-40B4-BE49-F238E27FC236}">
-                <a16:creationId xmlns:a16="http://schemas.microsoft.com/office/drawing/2014/main" id="{EFB1E1A1-EC18-4FB0-97FA-E0838D62E18E}"/>
+                <a16:creationId xmlns:a16="http://schemas.microsoft.com/office/drawing/2014/main" id="{518FD876-8258-432E-AC5E-36196251E4F1}"/>
               </a:ext>
             </a:extLst>
           </p:cNvPr>
@@ -5554,43 +5561,14 @@
           <a:p>
             <a:r>
               <a:rPr lang="zh-CN" altLang="en-US" dirty="0"/>
-              <a:t>用户第一次打开客户端程序时需要输入服务器端的</a:t>
-            </a:r>
-            <a:r>
-              <a:rPr lang="en-US" altLang="zh-CN" dirty="0" err="1"/>
-              <a:t>ip</a:t>
-            </a:r>
-            <a:r>
-              <a:rPr lang="en-US" altLang="zh-CN" dirty="0"/>
-              <a:t>,</a:t>
-            </a:r>
+              <a:t>用户登录</a:t>
+            </a:r>
+            <a:endParaRPr lang="en-US" altLang="zh-CN" dirty="0"/>
+          </a:p>
+          <a:p>
             <a:r>
               <a:rPr lang="zh-CN" altLang="en-US" dirty="0"/>
-              <a:t>之后会要求用户输入用户名</a:t>
-            </a:r>
-            <a:r>
-              <a:rPr lang="en-US" altLang="zh-CN" dirty="0"/>
-              <a:t>,</a:t>
-            </a:r>
-            <a:r>
-              <a:rPr lang="zh-CN" altLang="en-US" dirty="0"/>
-              <a:t>这时就完成了登录</a:t>
-            </a:r>
-            <a:r>
-              <a:rPr lang="en-US" altLang="zh-CN" dirty="0"/>
-              <a:t>,</a:t>
-            </a:r>
-            <a:r>
-              <a:rPr lang="zh-CN" altLang="en-US" dirty="0"/>
-              <a:t>服务器仅通过</a:t>
-            </a:r>
-            <a:r>
-              <a:rPr lang="en-US" altLang="zh-CN" dirty="0" err="1"/>
-              <a:t>ip</a:t>
-            </a:r>
-            <a:r>
-              <a:rPr lang="zh-CN" altLang="en-US" dirty="0"/>
-              <a:t>标识用户</a:t>
+              <a:t>消息的实时接收和发送</a:t>
             </a:r>
           </a:p>
         </p:txBody>
@@ -5598,7 +5576,7 @@
     </p:spTree>
     <p:extLst>
       <p:ext uri="{BB962C8B-B14F-4D97-AF65-F5344CB8AC3E}">
-        <p14:creationId xmlns:p14="http://schemas.microsoft.com/office/powerpoint/2010/main" val="420380209"/>
+        <p14:creationId xmlns:p14="http://schemas.microsoft.com/office/powerpoint/2010/main" val="1772387688"/>
       </p:ext>
     </p:extLst>
   </p:cSld>
@@ -5630,7 +5608,7 @@
           <p:cNvPr id="2" name="标题 1">
             <a:extLst>
               <a:ext uri="{FF2B5EF4-FFF2-40B4-BE49-F238E27FC236}">
-                <a16:creationId xmlns:a16="http://schemas.microsoft.com/office/drawing/2014/main" id="{2DFAAD6B-1131-450F-BA5F-80FAC8B73AA1}"/>
+                <a16:creationId xmlns:a16="http://schemas.microsoft.com/office/drawing/2014/main" id="{F77A93FC-2865-4128-9543-2AE50BF7A47A}"/>
               </a:ext>
             </a:extLst>
           </p:cNvPr>
@@ -5648,7 +5626,7 @@
           <a:p>
             <a:r>
               <a:rPr lang="zh-CN" altLang="en-US" dirty="0"/>
-              <a:t>消息的实时接收和发送</a:t>
+              <a:t>用户登录</a:t>
             </a:r>
           </a:p>
         </p:txBody>
@@ -5658,7 +5636,7 @@
           <p:cNvPr id="3" name="内容占位符 2">
             <a:extLst>
               <a:ext uri="{FF2B5EF4-FFF2-40B4-BE49-F238E27FC236}">
-                <a16:creationId xmlns:a16="http://schemas.microsoft.com/office/drawing/2014/main" id="{423507D8-A029-45BB-87B3-074274C1FE9C}"/>
+                <a16:creationId xmlns:a16="http://schemas.microsoft.com/office/drawing/2014/main" id="{EFB1E1A1-EC18-4FB0-97FA-E0838D62E18E}"/>
               </a:ext>
             </a:extLst>
           </p:cNvPr>
@@ -5676,7 +5654,43 @@
           <a:p>
             <a:r>
               <a:rPr lang="zh-CN" altLang="en-US" dirty="0"/>
-              <a:t>客户端程序拥有两个线程分别用于接收和发送消息</a:t>
+              <a:t>用户第一次打开客户端程序时需要输入服务器端的</a:t>
+            </a:r>
+            <a:r>
+              <a:rPr lang="en-US" altLang="zh-CN" dirty="0" err="1"/>
+              <a:t>ip</a:t>
+            </a:r>
+            <a:r>
+              <a:rPr lang="en-US" altLang="zh-CN" dirty="0"/>
+              <a:t>,</a:t>
+            </a:r>
+            <a:r>
+              <a:rPr lang="zh-CN" altLang="en-US" dirty="0"/>
+              <a:t>之后会要求用户输入用户名</a:t>
+            </a:r>
+            <a:r>
+              <a:rPr lang="en-US" altLang="zh-CN" dirty="0"/>
+              <a:t>,</a:t>
+            </a:r>
+            <a:r>
+              <a:rPr lang="zh-CN" altLang="en-US" dirty="0"/>
+              <a:t>这时就完成了登录</a:t>
+            </a:r>
+            <a:r>
+              <a:rPr lang="en-US" altLang="zh-CN" dirty="0"/>
+              <a:t>,</a:t>
+            </a:r>
+            <a:r>
+              <a:rPr lang="zh-CN" altLang="en-US" dirty="0"/>
+              <a:t>服务器仅通过</a:t>
+            </a:r>
+            <a:r>
+              <a:rPr lang="en-US" altLang="zh-CN" dirty="0" err="1"/>
+              <a:t>ip</a:t>
+            </a:r>
+            <a:r>
+              <a:rPr lang="zh-CN" altLang="en-US" dirty="0"/>
+              <a:t>标识用户</a:t>
             </a:r>
           </a:p>
         </p:txBody>
@@ -5684,7 +5698,7 @@
     </p:spTree>
     <p:extLst>
       <p:ext uri="{BB962C8B-B14F-4D97-AF65-F5344CB8AC3E}">
-        <p14:creationId xmlns:p14="http://schemas.microsoft.com/office/powerpoint/2010/main" val="1747188615"/>
+        <p14:creationId xmlns:p14="http://schemas.microsoft.com/office/powerpoint/2010/main" val="420380209"/>
       </p:ext>
     </p:extLst>
   </p:cSld>
@@ -5716,6 +5730,269 @@
           <p:cNvPr id="2" name="标题 1">
             <a:extLst>
               <a:ext uri="{FF2B5EF4-FFF2-40B4-BE49-F238E27FC236}">
+                <a16:creationId xmlns:a16="http://schemas.microsoft.com/office/drawing/2014/main" id="{2DFAAD6B-1131-450F-BA5F-80FAC8B73AA1}"/>
+              </a:ext>
+            </a:extLst>
+          </p:cNvPr>
+          <p:cNvSpPr>
+            <a:spLocks noGrp="1"/>
+          </p:cNvSpPr>
+          <p:nvPr>
+            <p:ph type="title"/>
+          </p:nvPr>
+        </p:nvSpPr>
+        <p:spPr/>
+        <p:txBody>
+          <a:bodyPr/>
+          <a:lstStyle/>
+          <a:p>
+            <a:r>
+              <a:rPr lang="zh-CN" altLang="en-US" dirty="0"/>
+              <a:t>消息的实时接收和发送</a:t>
+            </a:r>
+          </a:p>
+        </p:txBody>
+      </p:sp>
+      <p:sp>
+        <p:nvSpPr>
+          <p:cNvPr id="3" name="内容占位符 2">
+            <a:extLst>
+              <a:ext uri="{FF2B5EF4-FFF2-40B4-BE49-F238E27FC236}">
+                <a16:creationId xmlns:a16="http://schemas.microsoft.com/office/drawing/2014/main" id="{423507D8-A029-45BB-87B3-074274C1FE9C}"/>
+              </a:ext>
+            </a:extLst>
+          </p:cNvPr>
+          <p:cNvSpPr>
+            <a:spLocks noGrp="1"/>
+          </p:cNvSpPr>
+          <p:nvPr>
+            <p:ph idx="1"/>
+          </p:nvPr>
+        </p:nvSpPr>
+        <p:spPr/>
+        <p:txBody>
+          <a:bodyPr/>
+          <a:lstStyle/>
+          <a:p>
+            <a:r>
+              <a:rPr lang="zh-CN" altLang="en-US" dirty="0"/>
+              <a:t>客户端程序拥有两个线程分别用于接收和发送消息</a:t>
+            </a:r>
+          </a:p>
+        </p:txBody>
+      </p:sp>
+    </p:spTree>
+    <p:extLst>
+      <p:ext uri="{BB962C8B-B14F-4D97-AF65-F5344CB8AC3E}">
+        <p14:creationId xmlns:p14="http://schemas.microsoft.com/office/powerpoint/2010/main" val="1747188615"/>
+      </p:ext>
+    </p:extLst>
+  </p:cSld>
+  <p:clrMapOvr>
+    <a:masterClrMapping/>
+  </p:clrMapOvr>
+</p:sld>
+</file>
+
+<file path=ppt/slides/slide13.xml><?xml version="1.0" encoding="utf-8"?>
+<p:sld xmlns:a="http://schemas.openxmlformats.org/drawingml/2006/main" xmlns:r="http://schemas.openxmlformats.org/officeDocument/2006/relationships" xmlns:p="http://schemas.openxmlformats.org/presentationml/2006/main">
+  <p:cSld>
+    <p:spTree>
+      <p:nvGrpSpPr>
+        <p:cNvPr id="1" name=""/>
+        <p:cNvGrpSpPr/>
+        <p:nvPr/>
+      </p:nvGrpSpPr>
+      <p:grpSpPr>
+        <a:xfrm>
+          <a:off x="0" y="0"/>
+          <a:ext cx="0" cy="0"/>
+          <a:chOff x="0" y="0"/>
+          <a:chExt cx="0" cy="0"/>
+        </a:xfrm>
+      </p:grpSpPr>
+      <p:sp>
+        <p:nvSpPr>
+          <p:cNvPr id="2" name="标题 1">
+            <a:extLst>
+              <a:ext uri="{FF2B5EF4-FFF2-40B4-BE49-F238E27FC236}">
+                <a16:creationId xmlns:a16="http://schemas.microsoft.com/office/drawing/2014/main" id="{91CB4AE1-6F4C-4E49-9B49-CC837AA6FDBE}"/>
+              </a:ext>
+            </a:extLst>
+          </p:cNvPr>
+          <p:cNvSpPr>
+            <a:spLocks noGrp="1"/>
+          </p:cNvSpPr>
+          <p:nvPr>
+            <p:ph type="title"/>
+          </p:nvPr>
+        </p:nvSpPr>
+        <p:spPr/>
+        <p:txBody>
+          <a:bodyPr/>
+          <a:lstStyle/>
+          <a:p>
+            <a:r>
+              <a:rPr lang="zh-CN" altLang="en-US" dirty="0"/>
+              <a:t>效果</a:t>
+            </a:r>
+          </a:p>
+        </p:txBody>
+      </p:sp>
+      <p:pic>
+        <p:nvPicPr>
+          <p:cNvPr id="13" name="内容占位符 12">
+            <a:extLst>
+              <a:ext uri="{FF2B5EF4-FFF2-40B4-BE49-F238E27FC236}">
+                <a16:creationId xmlns:a16="http://schemas.microsoft.com/office/drawing/2014/main" id="{103B428B-DEC3-4CA1-8C21-B65D43819D72}"/>
+              </a:ext>
+            </a:extLst>
+          </p:cNvPr>
+          <p:cNvPicPr>
+            <a:picLocks noGrp="1" noChangeAspect="1"/>
+          </p:cNvPicPr>
+          <p:nvPr>
+            <p:ph idx="1"/>
+          </p:nvPr>
+        </p:nvPicPr>
+        <p:blipFill>
+          <a:blip r:embed="rId2"/>
+          <a:stretch>
+            <a:fillRect/>
+          </a:stretch>
+        </p:blipFill>
+        <p:spPr>
+          <a:xfrm>
+            <a:off x="727680" y="322956"/>
+            <a:ext cx="3109308" cy="2231511"/>
+          </a:xfrm>
+        </p:spPr>
+      </p:pic>
+      <p:pic>
+        <p:nvPicPr>
+          <p:cNvPr id="15" name="图片 14">
+            <a:extLst>
+              <a:ext uri="{FF2B5EF4-FFF2-40B4-BE49-F238E27FC236}">
+                <a16:creationId xmlns:a16="http://schemas.microsoft.com/office/drawing/2014/main" id="{4D35970C-A6C0-4B50-B80F-D6F385C5E459}"/>
+              </a:ext>
+            </a:extLst>
+          </p:cNvPr>
+          <p:cNvPicPr>
+            <a:picLocks noChangeAspect="1"/>
+          </p:cNvPicPr>
+          <p:nvPr/>
+        </p:nvPicPr>
+        <p:blipFill>
+          <a:blip r:embed="rId3"/>
+          <a:stretch>
+            <a:fillRect/>
+          </a:stretch>
+        </p:blipFill>
+        <p:spPr>
+          <a:xfrm>
+            <a:off x="3952715" y="320840"/>
+            <a:ext cx="3152775" cy="2233627"/>
+          </a:xfrm>
+          <a:prstGeom prst="rect">
+            <a:avLst/>
+          </a:prstGeom>
+        </p:spPr>
+      </p:pic>
+      <p:pic>
+        <p:nvPicPr>
+          <p:cNvPr id="17" name="图片 16">
+            <a:extLst>
+              <a:ext uri="{FF2B5EF4-FFF2-40B4-BE49-F238E27FC236}">
+                <a16:creationId xmlns:a16="http://schemas.microsoft.com/office/drawing/2014/main" id="{667B1628-8BFB-47C6-8911-F17367155BD6}"/>
+              </a:ext>
+            </a:extLst>
+          </p:cNvPr>
+          <p:cNvPicPr>
+            <a:picLocks noChangeAspect="1"/>
+          </p:cNvPicPr>
+          <p:nvPr/>
+        </p:nvPicPr>
+        <p:blipFill>
+          <a:blip r:embed="rId4"/>
+          <a:stretch>
+            <a:fillRect/>
+          </a:stretch>
+        </p:blipFill>
+        <p:spPr>
+          <a:xfrm>
+            <a:off x="727680" y="2621854"/>
+            <a:ext cx="3109308" cy="1998841"/>
+          </a:xfrm>
+          <a:prstGeom prst="rect">
+            <a:avLst/>
+          </a:prstGeom>
+        </p:spPr>
+      </p:pic>
+      <p:pic>
+        <p:nvPicPr>
+          <p:cNvPr id="19" name="图片 18">
+            <a:extLst>
+              <a:ext uri="{FF2B5EF4-FFF2-40B4-BE49-F238E27FC236}">
+                <a16:creationId xmlns:a16="http://schemas.microsoft.com/office/drawing/2014/main" id="{6A371C16-2154-4ED4-84CC-72416FBE13D0}"/>
+              </a:ext>
+            </a:extLst>
+          </p:cNvPr>
+          <p:cNvPicPr>
+            <a:picLocks noChangeAspect="1"/>
+          </p:cNvPicPr>
+          <p:nvPr/>
+        </p:nvPicPr>
+        <p:blipFill>
+          <a:blip r:embed="rId5"/>
+          <a:stretch>
+            <a:fillRect/>
+          </a:stretch>
+        </p:blipFill>
+        <p:spPr>
+          <a:xfrm>
+            <a:off x="8355013" y="323307"/>
+            <a:ext cx="3152775" cy="4219575"/>
+          </a:xfrm>
+          <a:prstGeom prst="rect">
+            <a:avLst/>
+          </a:prstGeom>
+        </p:spPr>
+      </p:pic>
+    </p:spTree>
+    <p:extLst>
+      <p:ext uri="{BB962C8B-B14F-4D97-AF65-F5344CB8AC3E}">
+        <p14:creationId xmlns:p14="http://schemas.microsoft.com/office/powerpoint/2010/main" val="810366746"/>
+      </p:ext>
+    </p:extLst>
+  </p:cSld>
+  <p:clrMapOvr>
+    <a:masterClrMapping/>
+  </p:clrMapOvr>
+</p:sld>
+</file>
+
+<file path=ppt/slides/slide14.xml><?xml version="1.0" encoding="utf-8"?>
+<p:sld xmlns:a="http://schemas.openxmlformats.org/drawingml/2006/main" xmlns:r="http://schemas.openxmlformats.org/officeDocument/2006/relationships" xmlns:p="http://schemas.openxmlformats.org/presentationml/2006/main">
+  <p:cSld>
+    <p:spTree>
+      <p:nvGrpSpPr>
+        <p:cNvPr id="1" name=""/>
+        <p:cNvGrpSpPr/>
+        <p:nvPr/>
+      </p:nvGrpSpPr>
+      <p:grpSpPr>
+        <a:xfrm>
+          <a:off x="0" y="0"/>
+          <a:ext cx="0" cy="0"/>
+          <a:chOff x="0" y="0"/>
+          <a:chExt cx="0" cy="0"/>
+        </a:xfrm>
+      </p:grpSpPr>
+      <p:sp>
+        <p:nvSpPr>
+          <p:cNvPr id="2" name="标题 1">
+            <a:extLst>
+              <a:ext uri="{FF2B5EF4-FFF2-40B4-BE49-F238E27FC236}">
                 <a16:creationId xmlns:a16="http://schemas.microsoft.com/office/drawing/2014/main" id="{694D5313-7D3F-44E9-AD26-5B9EC00A4E79}"/>
               </a:ext>
             </a:extLst>
@@ -5784,7 +6061,7 @@
             </a:r>
             <a:r>
               <a:rPr lang="zh-CN" altLang="en-US" dirty="0"/>
-              <a:t>语法简单高效易用还不啰嗦</a:t>
+              <a:t>语法简洁高效易用还不啰嗦</a:t>
             </a:r>
             <a:endParaRPr lang="en-US" altLang="zh-CN" dirty="0"/>
           </a:p>
@@ -5795,17 +6072,12 @@
             </a:r>
             <a:r>
               <a:rPr lang="zh-CN" altLang="en-US" dirty="0"/>
-              <a:t>比</a:t>
+              <a:t>在多线程环境下部分方面可能不如</a:t>
             </a:r>
             <a:r>
               <a:rPr lang="en-US" altLang="zh-CN" dirty="0"/>
               <a:t>Java</a:t>
             </a:r>
-            <a:r>
-              <a:rPr lang="zh-CN" altLang="en-US" dirty="0"/>
-              <a:t>学习难度低语法易于编写</a:t>
-            </a:r>
-            <a:endParaRPr lang="en-US" altLang="zh-CN" dirty="0"/>
           </a:p>
           <a:p>
             <a:r>
@@ -6054,7 +6326,7 @@
           <p:cNvPr id="2" name="标题 1">
             <a:extLst>
               <a:ext uri="{FF2B5EF4-FFF2-40B4-BE49-F238E27FC236}">
-                <a16:creationId xmlns:a16="http://schemas.microsoft.com/office/drawing/2014/main" id="{E74CC6A5-C8E9-4D63-9578-EF3134D00909}"/>
+                <a16:creationId xmlns:a16="http://schemas.microsoft.com/office/drawing/2014/main" id="{C890BFE4-BA12-4DA9-8632-7DC2422B2982}"/>
               </a:ext>
             </a:extLst>
           </p:cNvPr>
@@ -6065,19 +6337,14 @@
             <p:ph type="title"/>
           </p:nvPr>
         </p:nvSpPr>
-        <p:spPr>
-          <a:xfrm>
-            <a:off x="684212" y="4487332"/>
-            <a:ext cx="8534400" cy="1507067"/>
-          </a:xfrm>
-        </p:spPr>
+        <p:spPr/>
         <p:txBody>
           <a:bodyPr/>
           <a:lstStyle/>
           <a:p>
             <a:r>
               <a:rPr lang="zh-CN" altLang="en-US" dirty="0"/>
-              <a:t>服务器端功能</a:t>
+              <a:t>遇到的问题和解决方法</a:t>
             </a:r>
           </a:p>
         </p:txBody>
@@ -6087,7 +6354,7 @@
           <p:cNvPr id="3" name="内容占位符 2">
             <a:extLst>
               <a:ext uri="{FF2B5EF4-FFF2-40B4-BE49-F238E27FC236}">
-                <a16:creationId xmlns:a16="http://schemas.microsoft.com/office/drawing/2014/main" id="{4E7BE50D-0987-4563-AE7B-F5EFD97C33C8}"/>
+                <a16:creationId xmlns:a16="http://schemas.microsoft.com/office/drawing/2014/main" id="{146EA7D0-1B24-482C-8A4B-5AD9A9E35CEC}"/>
               </a:ext>
             </a:extLst>
           </p:cNvPr>
@@ -6098,59 +6365,85 @@
             <p:ph idx="1"/>
           </p:nvPr>
         </p:nvSpPr>
-        <p:spPr>
-          <a:xfrm>
-            <a:off x="684212" y="685800"/>
-            <a:ext cx="8534400" cy="3615267"/>
-          </a:xfrm>
-        </p:spPr>
-        <p:txBody>
-          <a:bodyPr/>
-          <a:lstStyle/>
-          <a:p>
+        <p:spPr/>
+        <p:txBody>
+          <a:bodyPr/>
+          <a:lstStyle/>
+          <a:p>
+            <a:pPr marL="0" indent="0">
+              <a:buNone/>
+            </a:pPr>
             <a:r>
               <a:rPr lang="zh-CN" altLang="en-US" dirty="0"/>
-              <a:t>用户登录和下线</a:t>
+              <a:t>问题</a:t>
             </a:r>
             <a:endParaRPr lang="en-US" altLang="zh-CN" dirty="0"/>
           </a:p>
           <a:p>
             <a:r>
               <a:rPr lang="zh-CN" altLang="en-US" dirty="0"/>
-              <a:t>消息接收与转发</a:t>
+              <a:t>全局和共享资源的线程安全</a:t>
             </a:r>
             <a:endParaRPr lang="en-US" altLang="zh-CN" dirty="0"/>
           </a:p>
           <a:p>
             <a:r>
+              <a:rPr lang="en-US" altLang="zh-CN" dirty="0" err="1"/>
+              <a:t>sqlite</a:t>
+            </a:r>
+            <a:r>
               <a:rPr lang="zh-CN" altLang="en-US" dirty="0"/>
-              <a:t>聊天记录录入数据库</a:t>
+              <a:t>数据库多线程访问</a:t>
             </a:r>
             <a:endParaRPr lang="en-US" altLang="zh-CN" dirty="0"/>
           </a:p>
           <a:p>
+            <a:pPr marL="0" indent="0">
+              <a:buNone/>
+            </a:pPr>
             <a:r>
               <a:rPr lang="zh-CN" altLang="en-US" dirty="0"/>
-              <a:t>查询聊天记录</a:t>
+              <a:t>解决</a:t>
             </a:r>
             <a:endParaRPr lang="en-US" altLang="zh-CN" dirty="0"/>
           </a:p>
           <a:p>
             <a:r>
               <a:rPr lang="zh-CN" altLang="en-US" dirty="0"/>
-              <a:t>编写系统日志</a:t>
+              <a:t>添加</a:t>
+            </a:r>
+            <a:r>
+              <a:rPr lang="en-US" altLang="zh-CN" dirty="0"/>
+              <a:t>Lock</a:t>
+            </a:r>
+          </a:p>
+          <a:p>
+            <a:r>
+              <a:rPr lang="zh-CN" altLang="en-US" dirty="0"/>
+              <a:t>百度查证</a:t>
+            </a:r>
+            <a:r>
+              <a:rPr lang="en-US" altLang="zh-CN" dirty="0" err="1"/>
+              <a:t>sqlite</a:t>
+            </a:r>
+            <a:r>
+              <a:rPr lang="zh-CN" altLang="en-US" dirty="0"/>
+              <a:t>支持多线程访问但需要在创建对象时关闭线程检查</a:t>
             </a:r>
             <a:endParaRPr lang="en-US" altLang="zh-CN" dirty="0"/>
           </a:p>
           <a:p>
             <a:endParaRPr lang="en-US" altLang="zh-CN" dirty="0"/>
+          </a:p>
+          <a:p>
+            <a:endParaRPr lang="zh-CN" altLang="en-US" dirty="0"/>
           </a:p>
         </p:txBody>
       </p:sp>
     </p:spTree>
     <p:extLst>
       <p:ext uri="{BB962C8B-B14F-4D97-AF65-F5344CB8AC3E}">
-        <p14:creationId xmlns:p14="http://schemas.microsoft.com/office/powerpoint/2010/main" val="3559676672"/>
+        <p14:creationId xmlns:p14="http://schemas.microsoft.com/office/powerpoint/2010/main" val="1985832196"/>
       </p:ext>
     </p:extLst>
   </p:cSld>
@@ -6182,7 +6475,7 @@
           <p:cNvPr id="2" name="标题 1">
             <a:extLst>
               <a:ext uri="{FF2B5EF4-FFF2-40B4-BE49-F238E27FC236}">
-                <a16:creationId xmlns:a16="http://schemas.microsoft.com/office/drawing/2014/main" id="{3A8B8659-6C9E-41F6-8B63-FFDDF75ED5D6}"/>
+                <a16:creationId xmlns:a16="http://schemas.microsoft.com/office/drawing/2014/main" id="{E74CC6A5-C8E9-4D63-9578-EF3134D00909}"/>
               </a:ext>
             </a:extLst>
           </p:cNvPr>
@@ -6193,14 +6486,19 @@
             <p:ph type="title"/>
           </p:nvPr>
         </p:nvSpPr>
-        <p:spPr/>
+        <p:spPr>
+          <a:xfrm>
+            <a:off x="684212" y="4487332"/>
+            <a:ext cx="8534400" cy="1507067"/>
+          </a:xfrm>
+        </p:spPr>
         <p:txBody>
           <a:bodyPr/>
           <a:lstStyle/>
           <a:p>
             <a:r>
               <a:rPr lang="zh-CN" altLang="en-US" dirty="0"/>
-              <a:t>用户登录和下线</a:t>
+              <a:t>服务器端功能</a:t>
             </a:r>
           </a:p>
         </p:txBody>
@@ -6210,7 +6508,7 @@
           <p:cNvPr id="3" name="内容占位符 2">
             <a:extLst>
               <a:ext uri="{FF2B5EF4-FFF2-40B4-BE49-F238E27FC236}">
-                <a16:creationId xmlns:a16="http://schemas.microsoft.com/office/drawing/2014/main" id="{E332803C-4BD2-4DF6-A4F4-776EBC40CE9D}"/>
+                <a16:creationId xmlns:a16="http://schemas.microsoft.com/office/drawing/2014/main" id="{4E7BE50D-0987-4563-AE7B-F5EFD97C33C8}"/>
               </a:ext>
             </a:extLst>
           </p:cNvPr>
@@ -6221,68 +6519,59 @@
             <p:ph idx="1"/>
           </p:nvPr>
         </p:nvSpPr>
-        <p:spPr/>
+        <p:spPr>
+          <a:xfrm>
+            <a:off x="684212" y="685800"/>
+            <a:ext cx="8534400" cy="3615267"/>
+          </a:xfrm>
+        </p:spPr>
         <p:txBody>
           <a:bodyPr/>
           <a:lstStyle/>
           <a:p>
             <a:r>
               <a:rPr lang="zh-CN" altLang="en-US" dirty="0"/>
-              <a:t>通过每台主机的</a:t>
-            </a:r>
-            <a:r>
-              <a:rPr lang="en-US" altLang="zh-CN" dirty="0" err="1"/>
-              <a:t>ip</a:t>
-            </a:r>
+              <a:t>用户登录和下线</a:t>
+            </a:r>
+            <a:endParaRPr lang="en-US" altLang="zh-CN" dirty="0"/>
+          </a:p>
+          <a:p>
             <a:r>
               <a:rPr lang="zh-CN" altLang="en-US" dirty="0"/>
-              <a:t>标记每个用户</a:t>
-            </a:r>
-            <a:r>
-              <a:rPr lang="en-US" altLang="zh-CN" dirty="0"/>
-              <a:t>,</a:t>
-            </a:r>
+              <a:t>消息接收与转发</a:t>
+            </a:r>
+            <a:endParaRPr lang="en-US" altLang="zh-CN" dirty="0"/>
+          </a:p>
+          <a:p>
             <a:r>
               <a:rPr lang="zh-CN" altLang="en-US" dirty="0"/>
-              <a:t>同时每个用户拥有一个自定义的昵称</a:t>
-            </a:r>
-            <a:r>
-              <a:rPr lang="en-US" altLang="zh-CN" dirty="0"/>
-              <a:t>,</a:t>
-            </a:r>
+              <a:t>聊天记录录入数据库</a:t>
+            </a:r>
+            <a:endParaRPr lang="en-US" altLang="zh-CN" dirty="0"/>
+          </a:p>
+          <a:p>
             <a:r>
               <a:rPr lang="zh-CN" altLang="en-US" dirty="0"/>
-              <a:t>当用户第一次访问服务器端时会要求用户给自己起名</a:t>
+              <a:t>查询聊天记录</a:t>
             </a:r>
             <a:endParaRPr lang="en-US" altLang="zh-CN" dirty="0"/>
           </a:p>
           <a:p>
             <a:r>
               <a:rPr lang="zh-CN" altLang="en-US" dirty="0"/>
-              <a:t>当服务器端无法访问到用户主机进程时</a:t>
-            </a:r>
-            <a:r>
-              <a:rPr lang="en-US" altLang="zh-CN" dirty="0"/>
-              <a:t>,</a:t>
-            </a:r>
-            <a:r>
-              <a:rPr lang="zh-CN" altLang="en-US" dirty="0"/>
-              <a:t>判断为用户下线</a:t>
+              <a:t>编写系统日志</a:t>
             </a:r>
             <a:endParaRPr lang="en-US" altLang="zh-CN" dirty="0"/>
           </a:p>
           <a:p>
             <a:endParaRPr lang="en-US" altLang="zh-CN" dirty="0"/>
-          </a:p>
-          <a:p>
-            <a:endParaRPr lang="zh-CN" altLang="en-US" dirty="0"/>
           </a:p>
         </p:txBody>
       </p:sp>
     </p:spTree>
     <p:extLst>
       <p:ext uri="{BB962C8B-B14F-4D97-AF65-F5344CB8AC3E}">
-        <p14:creationId xmlns:p14="http://schemas.microsoft.com/office/powerpoint/2010/main" val="3356009833"/>
+        <p14:creationId xmlns:p14="http://schemas.microsoft.com/office/powerpoint/2010/main" val="3559676672"/>
       </p:ext>
     </p:extLst>
   </p:cSld>
@@ -6314,7 +6603,7 @@
           <p:cNvPr id="2" name="标题 1">
             <a:extLst>
               <a:ext uri="{FF2B5EF4-FFF2-40B4-BE49-F238E27FC236}">
-                <a16:creationId xmlns:a16="http://schemas.microsoft.com/office/drawing/2014/main" id="{2B27B051-0E66-4FA7-909F-7DF648DD2B45}"/>
+                <a16:creationId xmlns:a16="http://schemas.microsoft.com/office/drawing/2014/main" id="{3A8B8659-6C9E-41F6-8B63-FFDDF75ED5D6}"/>
               </a:ext>
             </a:extLst>
           </p:cNvPr>
@@ -6332,7 +6621,7 @@
           <a:p>
             <a:r>
               <a:rPr lang="zh-CN" altLang="en-US" dirty="0"/>
-              <a:t>消息接收和转发</a:t>
+              <a:t>用户登录和下线</a:t>
             </a:r>
           </a:p>
         </p:txBody>
@@ -6342,7 +6631,7 @@
           <p:cNvPr id="3" name="内容占位符 2">
             <a:extLst>
               <a:ext uri="{FF2B5EF4-FFF2-40B4-BE49-F238E27FC236}">
-                <a16:creationId xmlns:a16="http://schemas.microsoft.com/office/drawing/2014/main" id="{8EBEE264-3F81-434B-89A5-8DE2D9E736C2}"/>
+                <a16:creationId xmlns:a16="http://schemas.microsoft.com/office/drawing/2014/main" id="{E332803C-4BD2-4DF6-A4F4-776EBC40CE9D}"/>
               </a:ext>
             </a:extLst>
           </p:cNvPr>
@@ -6360,22 +6649,15 @@
           <a:p>
             <a:r>
               <a:rPr lang="zh-CN" altLang="en-US" dirty="0"/>
-              <a:t>消息传输使用</a:t>
-            </a:r>
-            <a:r>
-              <a:rPr lang="en-US" altLang="zh-CN" dirty="0"/>
-              <a:t>TCP</a:t>
+              <a:t>通过每台主机的</a:t>
+            </a:r>
+            <a:r>
+              <a:rPr lang="en-US" altLang="zh-CN" dirty="0" err="1"/>
+              <a:t>ip</a:t>
             </a:r>
             <a:r>
               <a:rPr lang="zh-CN" altLang="en-US" dirty="0"/>
-              <a:t>传输</a:t>
-            </a:r>
-            <a:endParaRPr lang="en-US" altLang="zh-CN" dirty="0"/>
-          </a:p>
-          <a:p>
-            <a:r>
-              <a:rPr lang="zh-CN" altLang="en-US" dirty="0"/>
-              <a:t>服务器端绑定一个本地端口用于接收数据</a:t>
+              <a:t>标记每个用户</a:t>
             </a:r>
             <a:r>
               <a:rPr lang="en-US" altLang="zh-CN" dirty="0"/>
@@ -6383,15 +6665,45 @@
             </a:r>
             <a:r>
               <a:rPr lang="zh-CN" altLang="en-US" dirty="0"/>
-              <a:t>当服务器端接收到一条新的消息时会将该条消息转发给除了发送该条消息以外的全部在线的主机</a:t>
-            </a:r>
+              <a:t>同时每个用户拥有一个自定义的昵称</a:t>
+            </a:r>
+            <a:r>
+              <a:rPr lang="en-US" altLang="zh-CN" dirty="0"/>
+              <a:t>,</a:t>
+            </a:r>
+            <a:r>
+              <a:rPr lang="zh-CN" altLang="en-US" dirty="0"/>
+              <a:t>当用户第一次访问服务器端时会要求用户给自己起名</a:t>
+            </a:r>
+            <a:endParaRPr lang="en-US" altLang="zh-CN" dirty="0"/>
+          </a:p>
+          <a:p>
+            <a:r>
+              <a:rPr lang="zh-CN" altLang="en-US" dirty="0"/>
+              <a:t>当服务器端无法访问到用户主机进程时</a:t>
+            </a:r>
+            <a:r>
+              <a:rPr lang="en-US" altLang="zh-CN" dirty="0"/>
+              <a:t>,</a:t>
+            </a:r>
+            <a:r>
+              <a:rPr lang="zh-CN" altLang="en-US" dirty="0"/>
+              <a:t>判断为用户下线</a:t>
+            </a:r>
+            <a:endParaRPr lang="en-US" altLang="zh-CN" dirty="0"/>
+          </a:p>
+          <a:p>
+            <a:endParaRPr lang="en-US" altLang="zh-CN" dirty="0"/>
+          </a:p>
+          <a:p>
+            <a:endParaRPr lang="zh-CN" altLang="en-US" dirty="0"/>
           </a:p>
         </p:txBody>
       </p:sp>
     </p:spTree>
     <p:extLst>
       <p:ext uri="{BB962C8B-B14F-4D97-AF65-F5344CB8AC3E}">
-        <p14:creationId xmlns:p14="http://schemas.microsoft.com/office/powerpoint/2010/main" val="3410215846"/>
+        <p14:creationId xmlns:p14="http://schemas.microsoft.com/office/powerpoint/2010/main" val="3356009833"/>
       </p:ext>
     </p:extLst>
   </p:cSld>
@@ -6423,7 +6735,7 @@
           <p:cNvPr id="2" name="标题 1">
             <a:extLst>
               <a:ext uri="{FF2B5EF4-FFF2-40B4-BE49-F238E27FC236}">
-                <a16:creationId xmlns:a16="http://schemas.microsoft.com/office/drawing/2014/main" id="{E431CC52-0767-4E85-BE63-A81FF7180252}"/>
+                <a16:creationId xmlns:a16="http://schemas.microsoft.com/office/drawing/2014/main" id="{2B27B051-0E66-4FA7-909F-7DF648DD2B45}"/>
               </a:ext>
             </a:extLst>
           </p:cNvPr>
@@ -6441,7 +6753,7 @@
           <a:p>
             <a:r>
               <a:rPr lang="zh-CN" altLang="en-US" dirty="0"/>
-              <a:t>聊天记录录入数据库</a:t>
+              <a:t>消息接收和转发</a:t>
             </a:r>
           </a:p>
         </p:txBody>
@@ -6451,7 +6763,7 @@
           <p:cNvPr id="3" name="内容占位符 2">
             <a:extLst>
               <a:ext uri="{FF2B5EF4-FFF2-40B4-BE49-F238E27FC236}">
-                <a16:creationId xmlns:a16="http://schemas.microsoft.com/office/drawing/2014/main" id="{AAB5B145-31B3-43AB-ACD7-2B31A4A72BB4}"/>
+                <a16:creationId xmlns:a16="http://schemas.microsoft.com/office/drawing/2014/main" id="{8EBEE264-3F81-434B-89A5-8DE2D9E736C2}"/>
               </a:ext>
             </a:extLst>
           </p:cNvPr>
@@ -6469,18 +6781,22 @@
           <a:p>
             <a:r>
               <a:rPr lang="zh-CN" altLang="en-US" dirty="0"/>
-              <a:t>使用的数据库为</a:t>
-            </a:r>
-            <a:r>
-              <a:rPr lang="en-US" altLang="zh-CN" dirty="0" err="1"/>
-              <a:t>sqlite</a:t>
+              <a:t>消息传输使用</a:t>
+            </a:r>
+            <a:r>
+              <a:rPr lang="en-US" altLang="zh-CN" dirty="0"/>
+              <a:t>TCP</a:t>
+            </a:r>
+            <a:r>
+              <a:rPr lang="zh-CN" altLang="en-US" dirty="0"/>
+              <a:t>传输</a:t>
             </a:r>
             <a:endParaRPr lang="en-US" altLang="zh-CN" dirty="0"/>
           </a:p>
           <a:p>
             <a:r>
               <a:rPr lang="zh-CN" altLang="en-US" dirty="0"/>
-              <a:t>当服务器端转发一条消息的同时会将该条消息封装成一条记录</a:t>
+              <a:t>服务器端绑定一个本地端口用于接收数据</a:t>
             </a:r>
             <a:r>
               <a:rPr lang="en-US" altLang="zh-CN" dirty="0"/>
@@ -6488,39 +6804,7 @@
             </a:r>
             <a:r>
               <a:rPr lang="zh-CN" altLang="en-US" dirty="0"/>
-              <a:t>带有消息的发送者</a:t>
-            </a:r>
-            <a:r>
-              <a:rPr lang="en-US" altLang="zh-CN" dirty="0"/>
-              <a:t>,</a:t>
-            </a:r>
-            <a:r>
-              <a:rPr lang="zh-CN" altLang="en-US" dirty="0"/>
-              <a:t>发送时间</a:t>
-            </a:r>
-            <a:r>
-              <a:rPr lang="en-US" altLang="zh-CN" dirty="0"/>
-              <a:t>,</a:t>
-            </a:r>
-            <a:r>
-              <a:rPr lang="zh-CN" altLang="en-US" dirty="0"/>
-              <a:t>内容</a:t>
-            </a:r>
-            <a:r>
-              <a:rPr lang="en-US" altLang="zh-CN" dirty="0"/>
-              <a:t>,</a:t>
-            </a:r>
-            <a:r>
-              <a:rPr lang="zh-CN" altLang="en-US" dirty="0"/>
-              <a:t>并将这条记录送入消息列表</a:t>
-            </a:r>
-            <a:r>
-              <a:rPr lang="en-US" altLang="zh-CN" dirty="0"/>
-              <a:t>,</a:t>
-            </a:r>
-            <a:r>
-              <a:rPr lang="zh-CN" altLang="en-US" dirty="0"/>
-              <a:t>程序有一个额外的线程每五秒自动将消息列表中的全部内容写入数据库</a:t>
+              <a:t>当服务器端接收到一条新的消息时会将该条消息转发给除了发送该条消息以外的全部在线的主机</a:t>
             </a:r>
           </a:p>
         </p:txBody>
@@ -6528,7 +6812,7 @@
     </p:spTree>
     <p:extLst>
       <p:ext uri="{BB962C8B-B14F-4D97-AF65-F5344CB8AC3E}">
-        <p14:creationId xmlns:p14="http://schemas.microsoft.com/office/powerpoint/2010/main" val="1137062133"/>
+        <p14:creationId xmlns:p14="http://schemas.microsoft.com/office/powerpoint/2010/main" val="3410215846"/>
       </p:ext>
     </p:extLst>
   </p:cSld>
@@ -6560,7 +6844,7 @@
           <p:cNvPr id="2" name="标题 1">
             <a:extLst>
               <a:ext uri="{FF2B5EF4-FFF2-40B4-BE49-F238E27FC236}">
-                <a16:creationId xmlns:a16="http://schemas.microsoft.com/office/drawing/2014/main" id="{1DB7F168-5AEF-4937-9206-E376095BC847}"/>
+                <a16:creationId xmlns:a16="http://schemas.microsoft.com/office/drawing/2014/main" id="{E431CC52-0767-4E85-BE63-A81FF7180252}"/>
               </a:ext>
             </a:extLst>
           </p:cNvPr>
@@ -6578,7 +6862,7 @@
           <a:p>
             <a:r>
               <a:rPr lang="zh-CN" altLang="en-US" dirty="0"/>
-              <a:t>查询聊天记录</a:t>
+              <a:t>聊天记录录入数据库</a:t>
             </a:r>
           </a:p>
         </p:txBody>
@@ -6588,7 +6872,7 @@
           <p:cNvPr id="3" name="内容占位符 2">
             <a:extLst>
               <a:ext uri="{FF2B5EF4-FFF2-40B4-BE49-F238E27FC236}">
-                <a16:creationId xmlns:a16="http://schemas.microsoft.com/office/drawing/2014/main" id="{26C65E4B-F88F-43DC-A18C-C2C632A0F87D}"/>
+                <a16:creationId xmlns:a16="http://schemas.microsoft.com/office/drawing/2014/main" id="{AAB5B145-31B3-43AB-ACD7-2B31A4A72BB4}"/>
               </a:ext>
             </a:extLst>
           </p:cNvPr>
@@ -6606,15 +6890,58 @@
           <a:p>
             <a:r>
               <a:rPr lang="zh-CN" altLang="en-US" dirty="0"/>
-              <a:t>服务器端可以通过</a:t>
+              <a:t>使用的数据库为</a:t>
             </a:r>
             <a:r>
               <a:rPr lang="en-US" altLang="zh-CN" dirty="0" err="1"/>
-              <a:t>ip</a:t>
-            </a:r>
+              <a:t>sqlite</a:t>
+            </a:r>
+            <a:endParaRPr lang="en-US" altLang="zh-CN" dirty="0"/>
+          </a:p>
+          <a:p>
             <a:r>
               <a:rPr lang="zh-CN" altLang="en-US" dirty="0"/>
-              <a:t>或者用户名查询数据库中某台主机发送的全部消息</a:t>
+              <a:t>当服务器端转发一条消息的同时会将该条消息封装成一条记录</a:t>
+            </a:r>
+            <a:r>
+              <a:rPr lang="en-US" altLang="zh-CN" dirty="0"/>
+              <a:t>,</a:t>
+            </a:r>
+            <a:r>
+              <a:rPr lang="zh-CN" altLang="en-US" dirty="0"/>
+              <a:t>带有消息的发送者</a:t>
+            </a:r>
+            <a:r>
+              <a:rPr lang="en-US" altLang="zh-CN" dirty="0"/>
+              <a:t>,</a:t>
+            </a:r>
+            <a:r>
+              <a:rPr lang="zh-CN" altLang="en-US" dirty="0"/>
+              <a:t>发送时间</a:t>
+            </a:r>
+            <a:r>
+              <a:rPr lang="en-US" altLang="zh-CN" dirty="0"/>
+              <a:t>,</a:t>
+            </a:r>
+            <a:r>
+              <a:rPr lang="zh-CN" altLang="en-US" dirty="0"/>
+              <a:t>内容</a:t>
+            </a:r>
+            <a:r>
+              <a:rPr lang="en-US" altLang="zh-CN" dirty="0"/>
+              <a:t>,</a:t>
+            </a:r>
+            <a:r>
+              <a:rPr lang="zh-CN" altLang="en-US" dirty="0"/>
+              <a:t>并将这条记录送入消息列表</a:t>
+            </a:r>
+            <a:r>
+              <a:rPr lang="en-US" altLang="zh-CN" dirty="0"/>
+              <a:t>,</a:t>
+            </a:r>
+            <a:r>
+              <a:rPr lang="zh-CN" altLang="en-US" dirty="0"/>
+              <a:t>程序有一个额外的线程每五秒自动将消息列表中的全部内容写入数据库</a:t>
             </a:r>
           </a:p>
         </p:txBody>
@@ -6622,7 +6949,7 @@
     </p:spTree>
     <p:extLst>
       <p:ext uri="{BB962C8B-B14F-4D97-AF65-F5344CB8AC3E}">
-        <p14:creationId xmlns:p14="http://schemas.microsoft.com/office/powerpoint/2010/main" val="4173822307"/>
+        <p14:creationId xmlns:p14="http://schemas.microsoft.com/office/powerpoint/2010/main" val="1137062133"/>
       </p:ext>
     </p:extLst>
   </p:cSld>
@@ -6654,7 +6981,7 @@
           <p:cNvPr id="2" name="标题 1">
             <a:extLst>
               <a:ext uri="{FF2B5EF4-FFF2-40B4-BE49-F238E27FC236}">
-                <a16:creationId xmlns:a16="http://schemas.microsoft.com/office/drawing/2014/main" id="{FDEDC89A-9586-40D1-9735-E35F7361CE12}"/>
+                <a16:creationId xmlns:a16="http://schemas.microsoft.com/office/drawing/2014/main" id="{1DB7F168-5AEF-4937-9206-E376095BC847}"/>
               </a:ext>
             </a:extLst>
           </p:cNvPr>
@@ -6672,7 +6999,7 @@
           <a:p>
             <a:r>
               <a:rPr lang="zh-CN" altLang="en-US" dirty="0"/>
-              <a:t>编写系统日志</a:t>
+              <a:t>查询聊天记录</a:t>
             </a:r>
           </a:p>
         </p:txBody>
@@ -6682,7 +7009,7 @@
           <p:cNvPr id="3" name="内容占位符 2">
             <a:extLst>
               <a:ext uri="{FF2B5EF4-FFF2-40B4-BE49-F238E27FC236}">
-                <a16:creationId xmlns:a16="http://schemas.microsoft.com/office/drawing/2014/main" id="{F0F43C22-456D-4CFE-8C4C-CF3987B5703B}"/>
+                <a16:creationId xmlns:a16="http://schemas.microsoft.com/office/drawing/2014/main" id="{26C65E4B-F88F-43DC-A18C-C2C632A0F87D}"/>
               </a:ext>
             </a:extLst>
           </p:cNvPr>
@@ -6700,14 +7027,15 @@
           <a:p>
             <a:r>
               <a:rPr lang="zh-CN" altLang="en-US" dirty="0"/>
-              <a:t>服务器端可以将一些关键信息封装成记录送入日志列表</a:t>
-            </a:r>
-            <a:endParaRPr lang="en-US" altLang="zh-CN" dirty="0"/>
-          </a:p>
-          <a:p>
+              <a:t>服务器端可以通过</a:t>
+            </a:r>
+            <a:r>
+              <a:rPr lang="en-US" altLang="zh-CN" dirty="0" err="1"/>
+              <a:t>ip</a:t>
+            </a:r>
             <a:r>
               <a:rPr lang="zh-CN" altLang="en-US" dirty="0"/>
-              <a:t>在主线程中可以让系统将日志信息输出为文本保存到文件</a:t>
+              <a:t>或者用户名查询数据库中某台主机发送的全部消息</a:t>
             </a:r>
           </a:p>
         </p:txBody>
@@ -6715,7 +7043,7 @@
     </p:spTree>
     <p:extLst>
       <p:ext uri="{BB962C8B-B14F-4D97-AF65-F5344CB8AC3E}">
-        <p14:creationId xmlns:p14="http://schemas.microsoft.com/office/powerpoint/2010/main" val="1537748465"/>
+        <p14:creationId xmlns:p14="http://schemas.microsoft.com/office/powerpoint/2010/main" val="4173822307"/>
       </p:ext>
     </p:extLst>
   </p:cSld>
@@ -6747,7 +7075,7 @@
           <p:cNvPr id="2" name="标题 1">
             <a:extLst>
               <a:ext uri="{FF2B5EF4-FFF2-40B4-BE49-F238E27FC236}">
-                <a16:creationId xmlns:a16="http://schemas.microsoft.com/office/drawing/2014/main" id="{15D80B16-0754-4824-AE7A-D2484734C34E}"/>
+                <a16:creationId xmlns:a16="http://schemas.microsoft.com/office/drawing/2014/main" id="{FDEDC89A-9586-40D1-9735-E35F7361CE12}"/>
               </a:ext>
             </a:extLst>
           </p:cNvPr>
@@ -6765,7 +7093,7 @@
           <a:p>
             <a:r>
               <a:rPr lang="zh-CN" altLang="en-US" dirty="0"/>
-              <a:t>客户端功能</a:t>
+              <a:t>编写系统日志</a:t>
             </a:r>
           </a:p>
         </p:txBody>
@@ -6775,7 +7103,7 @@
           <p:cNvPr id="3" name="内容占位符 2">
             <a:extLst>
               <a:ext uri="{FF2B5EF4-FFF2-40B4-BE49-F238E27FC236}">
-                <a16:creationId xmlns:a16="http://schemas.microsoft.com/office/drawing/2014/main" id="{518FD876-8258-432E-AC5E-36196251E4F1}"/>
+                <a16:creationId xmlns:a16="http://schemas.microsoft.com/office/drawing/2014/main" id="{F0F43C22-456D-4CFE-8C4C-CF3987B5703B}"/>
               </a:ext>
             </a:extLst>
           </p:cNvPr>
@@ -6793,14 +7121,14 @@
           <a:p>
             <a:r>
               <a:rPr lang="zh-CN" altLang="en-US" dirty="0"/>
-              <a:t>用户登录</a:t>
+              <a:t>服务器端可以将一些关键信息封装成记录送入日志列表</a:t>
             </a:r>
             <a:endParaRPr lang="en-US" altLang="zh-CN" dirty="0"/>
           </a:p>
           <a:p>
             <a:r>
               <a:rPr lang="zh-CN" altLang="en-US" dirty="0"/>
-              <a:t>消息的实时接收和发送</a:t>
+              <a:t>在主线程中可以让系统将日志信息输出为文本保存到文件</a:t>
             </a:r>
           </a:p>
         </p:txBody>
@@ -6808,7 +7136,7 @@
     </p:spTree>
     <p:extLst>
       <p:ext uri="{BB962C8B-B14F-4D97-AF65-F5344CB8AC3E}">
-        <p14:creationId xmlns:p14="http://schemas.microsoft.com/office/powerpoint/2010/main" val="1772387688"/>
+        <p14:creationId xmlns:p14="http://schemas.microsoft.com/office/powerpoint/2010/main" val="1537748465"/>
       </p:ext>
     </p:extLst>
   </p:cSld>
